--- a/assets/Presentation/Spin Me ‘Round.pptx
+++ b/assets/Presentation/Spin Me ‘Round.pptx
@@ -128,7 +128,7 @@
   <pc:docChgLst>
     <pc:chgData name="Victor Duarte" userId="711f23a2fd5761e7" providerId="LiveId" clId="{20F41765-3160-4B73-9AE2-89535A6A5880}"/>
     <pc:docChg chg="undo custSel addSld delSld modSld">
-      <pc:chgData name="Victor Duarte" userId="711f23a2fd5761e7" providerId="LiveId" clId="{20F41765-3160-4B73-9AE2-89535A6A5880}" dt="2024-04-17T16:44:17.467" v="3625" actId="20577"/>
+      <pc:chgData name="Victor Duarte" userId="711f23a2fd5761e7" providerId="LiveId" clId="{20F41765-3160-4B73-9AE2-89535A6A5880}" dt="2024-04-17T20:21:34.601" v="3648" actId="20577"/>
       <pc:docMkLst>
         <pc:docMk/>
       </pc:docMkLst>
@@ -366,13 +366,13 @@
         </pc:spChg>
       </pc:sldChg>
       <pc:sldChg chg="addSp delSp modSp new mod chgLayout">
-        <pc:chgData name="Victor Duarte" userId="711f23a2fd5761e7" providerId="LiveId" clId="{20F41765-3160-4B73-9AE2-89535A6A5880}" dt="2024-04-17T15:57:39.015" v="3576" actId="20577"/>
+        <pc:chgData name="Victor Duarte" userId="711f23a2fd5761e7" providerId="LiveId" clId="{20F41765-3160-4B73-9AE2-89535A6A5880}" dt="2024-04-17T20:21:34.601" v="3648" actId="20577"/>
         <pc:sldMkLst>
           <pc:docMk/>
           <pc:sldMk cId="1727672455" sldId="262"/>
         </pc:sldMkLst>
         <pc:spChg chg="mod ord">
-          <ac:chgData name="Victor Duarte" userId="711f23a2fd5761e7" providerId="LiveId" clId="{20F41765-3160-4B73-9AE2-89535A6A5880}" dt="2024-04-17T15:51:39.308" v="3367"/>
+          <ac:chgData name="Victor Duarte" userId="711f23a2fd5761e7" providerId="LiveId" clId="{20F41765-3160-4B73-9AE2-89535A6A5880}" dt="2024-04-17T20:21:15.780" v="3628" actId="6264"/>
           <ac:spMkLst>
             <pc:docMk/>
             <pc:sldMk cId="1727672455" sldId="262"/>
@@ -380,11 +380,19 @@
           </ac:spMkLst>
         </pc:spChg>
         <pc:spChg chg="mod ord">
-          <ac:chgData name="Victor Duarte" userId="711f23a2fd5761e7" providerId="LiveId" clId="{20F41765-3160-4B73-9AE2-89535A6A5880}" dt="2024-04-17T15:57:39.015" v="3576" actId="20577"/>
+          <ac:chgData name="Victor Duarte" userId="711f23a2fd5761e7" providerId="LiveId" clId="{20F41765-3160-4B73-9AE2-89535A6A5880}" dt="2024-04-17T20:21:34.601" v="3648" actId="20577"/>
           <ac:spMkLst>
             <pc:docMk/>
             <pc:sldMk cId="1727672455" sldId="262"/>
             <ac:spMk id="3" creationId="{76EF5048-397D-C110-206B-76681D2CFEC1}"/>
+          </ac:spMkLst>
+        </pc:spChg>
+        <pc:spChg chg="add del mod">
+          <ac:chgData name="Victor Duarte" userId="711f23a2fd5761e7" providerId="LiveId" clId="{20F41765-3160-4B73-9AE2-89535A6A5880}" dt="2024-04-17T20:21:15.780" v="3628" actId="6264"/>
+          <ac:spMkLst>
+            <pc:docMk/>
+            <pc:sldMk cId="1727672455" sldId="262"/>
+            <ac:spMk id="4" creationId="{49199213-049A-663A-8910-F8DB57C0CA34}"/>
           </ac:spMkLst>
         </pc:spChg>
         <pc:spChg chg="add del mod">
@@ -393,6 +401,14 @@
             <pc:docMk/>
             <pc:sldMk cId="1727672455" sldId="262"/>
             <ac:spMk id="4" creationId="{E4051007-2206-3DBC-36F7-D94E15796FB8}"/>
+          </ac:spMkLst>
+        </pc:spChg>
+        <pc:spChg chg="add del mod">
+          <ac:chgData name="Victor Duarte" userId="711f23a2fd5761e7" providerId="LiveId" clId="{20F41765-3160-4B73-9AE2-89535A6A5880}" dt="2024-04-17T20:21:15.780" v="3628" actId="6264"/>
+          <ac:spMkLst>
+            <pc:docMk/>
+            <pc:sldMk cId="1727672455" sldId="262"/>
+            <ac:spMk id="5" creationId="{0D9F2D76-73A8-6B6A-B574-9C655455CBF2}"/>
           </ac:spMkLst>
         </pc:spChg>
         <pc:spChg chg="add del mod">
@@ -4232,7 +4248,12 @@
             <p:ph type="title"/>
           </p:nvPr>
         </p:nvSpPr>
-        <p:spPr/>
+        <p:spPr>
+          <a:xfrm>
+            <a:off x="1261872" y="365760"/>
+            <a:ext cx="9692640" cy="1325562"/>
+          </a:xfrm>
+        </p:spPr>
         <p:txBody>
           <a:bodyPr/>
           <a:lstStyle/>
@@ -4260,12 +4281,36 @@
             <p:ph idx="1"/>
           </p:nvPr>
         </p:nvSpPr>
-        <p:spPr/>
+        <p:spPr>
+          <a:xfrm>
+            <a:off x="1261872" y="1828800"/>
+            <a:ext cx="8595360" cy="4351337"/>
+          </a:xfrm>
+        </p:spPr>
         <p:txBody>
           <a:bodyPr/>
           <a:lstStyle/>
           <a:p>
             <a:endParaRPr lang="en-US" dirty="0"/>
+          </a:p>
+          <a:p>
+            <a:r>
+              <a:rPr lang="en-US" dirty="0"/>
+              <a:t>Deployed link</a:t>
+            </a:r>
+          </a:p>
+          <a:p>
+            <a:pPr lvl="1"/>
+            <a:r>
+              <a:rPr lang="en-US" dirty="0">
+                <a:hlinkClick r:id="rId2"/>
+              </a:rPr>
+              <a:t>https://spin-me-round.onrender.com/</a:t>
+            </a:r>
+            <a:r>
+              <a:rPr lang="en-US" dirty="0"/>
+              <a:t> </a:t>
+            </a:r>
           </a:p>
           <a:p>
             <a:r>
@@ -4276,9 +4321,20 @@
           <a:p>
             <a:pPr lvl="1"/>
             <a:r>
-              <a:rPr lang="en-US" dirty="0"/>
+              <a:rPr lang="en-US" dirty="0">
+                <a:hlinkClick r:id="rId3"/>
+              </a:rPr>
               <a:t>https://github.com/Init-To-Win/spin-me-round.git</a:t>
             </a:r>
+            <a:endParaRPr lang="en-US" dirty="0"/>
+          </a:p>
+          <a:p>
+            <a:pPr lvl="1"/>
+            <a:endParaRPr lang="en-US" dirty="0"/>
+          </a:p>
+          <a:p>
+            <a:pPr lvl="1"/>
+            <a:endParaRPr lang="en-US" dirty="0"/>
           </a:p>
           <a:p>
             <a:endParaRPr lang="en-US" dirty="0"/>
